--- a/Exceptions short tutorial.pptx
+++ b/Exceptions short tutorial.pptx
@@ -5,7 +5,7 @@
     <p:sldMasterId id="2147483648" r:id="rId1"/>
   </p:sldMasterIdLst>
   <p:notesMasterIdLst>
-    <p:notesMasterId r:id="rId23"/>
+    <p:notesMasterId r:id="rId24"/>
   </p:notesMasterIdLst>
   <p:sldIdLst>
     <p:sldId id="258" r:id="rId2"/>
@@ -27,8 +27,9 @@
     <p:sldId id="379" r:id="rId18"/>
     <p:sldId id="336" r:id="rId19"/>
     <p:sldId id="381" r:id="rId20"/>
-    <p:sldId id="380" r:id="rId21"/>
-    <p:sldId id="382" r:id="rId22"/>
+    <p:sldId id="383" r:id="rId21"/>
+    <p:sldId id="380" r:id="rId22"/>
+    <p:sldId id="382" r:id="rId23"/>
   </p:sldIdLst>
   <p:sldSz cx="12192000" cy="6858000"/>
   <p:notesSz cx="6858000" cy="9144000"/>
@@ -4089,36 +4090,36 @@
           <a:p>
             <a:pPr fontAlgn="base"/>
             <a:r>
+              <a:rPr lang="en-CA" sz="3600" dirty="0"/>
+              <a:t>Built-in exceptions are the exceptions that are available in Java. </a:t>
+            </a:r>
+          </a:p>
+          <a:p>
+            <a:pPr fontAlgn="base"/>
+            <a:r>
+              <a:rPr lang="en-CA" sz="3600" dirty="0"/>
+              <a:t>These exceptions are suitable to explain certain error situations.</a:t>
+            </a:r>
+          </a:p>
+          <a:p>
+            <a:pPr lvl="1" fontAlgn="base"/>
+            <a:r>
+              <a:rPr lang="en-CA" sz="3200" b="1" dirty="0"/>
+              <a:t>Checked Exceptions: </a:t>
+            </a:r>
+            <a:r>
               <a:rPr lang="en-CA" sz="3200" dirty="0"/>
-              <a:t>Built-in exceptions are the exceptions that are available in Java. </a:t>
-            </a:r>
-          </a:p>
-          <a:p>
-            <a:pPr fontAlgn="base"/>
+              <a:t>Compile-time exceptions that are checked at compile-time by the compiler.</a:t>
+            </a:r>
+          </a:p>
+          <a:p>
+            <a:pPr lvl="1" fontAlgn="base"/>
+            <a:r>
+              <a:rPr lang="en-CA" sz="3200" b="1" dirty="0"/>
+              <a:t>Unchecked Exceptions: </a:t>
+            </a:r>
             <a:r>
               <a:rPr lang="en-CA" sz="3200" dirty="0"/>
-              <a:t>These exceptions are suitable to explain certain error situations.</a:t>
-            </a:r>
-          </a:p>
-          <a:p>
-            <a:pPr lvl="1" fontAlgn="base"/>
-            <a:r>
-              <a:rPr lang="en-CA" sz="2800" b="1" dirty="0"/>
-              <a:t>Checked Exceptions: </a:t>
-            </a:r>
-            <a:r>
-              <a:rPr lang="en-CA" sz="2800" dirty="0"/>
-              <a:t>Compile-time exceptions that are checked at compile-time by the compiler.</a:t>
-            </a:r>
-          </a:p>
-          <a:p>
-            <a:pPr lvl="1" fontAlgn="base"/>
-            <a:r>
-              <a:rPr lang="en-CA" sz="2800" b="1" dirty="0"/>
-              <a:t>Unchecked Exceptions: </a:t>
-            </a:r>
-            <a:r>
-              <a:rPr lang="en-CA" sz="2800" dirty="0"/>
               <a:t> The compiler will not check these exceptions at compile time.</a:t>
             </a:r>
           </a:p>
@@ -4126,7 +4127,7 @@
             <a:pPr marL="0" indent="0" fontAlgn="base">
               <a:buNone/>
             </a:pPr>
-            <a:endParaRPr lang="en-CA" sz="3200" dirty="0"/>
+            <a:endParaRPr lang="en-CA" sz="3600" dirty="0"/>
           </a:p>
         </p:txBody>
       </p:sp>
@@ -4764,15 +4765,59 @@
           <a:lstStyle/>
           <a:p>
             <a:r>
+              <a:rPr lang="en-GB" sz="3600" dirty="0">
+                <a:solidFill>
+                  <a:schemeClr val="bg1"/>
+                </a:solidFill>
+              </a:rPr>
+              <a:t>Can you think of an example of:</a:t>
+            </a:r>
+          </a:p>
+          <a:p>
+            <a:endParaRPr lang="en-GB" sz="3600" dirty="0">
+              <a:solidFill>
+                <a:schemeClr val="bg1"/>
+              </a:solidFill>
+            </a:endParaRPr>
+          </a:p>
+          <a:p>
+            <a:pPr marL="914400" lvl="1" indent="-457200">
+              <a:buFont typeface="+mj-lt"/>
+              <a:buAutoNum type="alphaLcPeriod"/>
+            </a:pPr>
+            <a:r>
               <a:rPr lang="en-GB" sz="3200" dirty="0">
                 <a:solidFill>
                   <a:schemeClr val="bg1"/>
                 </a:solidFill>
               </a:rPr>
-              <a:t>Can you think of an example of:</a:t>
-            </a:r>
-          </a:p>
-          <a:p>
+              <a:t>A </a:t>
+            </a:r>
+            <a:r>
+              <a:rPr lang="en-CA" sz="3200" dirty="0">
+                <a:solidFill>
+                  <a:schemeClr val="bg1"/>
+                </a:solidFill>
+              </a:rPr>
+              <a:t>checked exception?</a:t>
+            </a:r>
+          </a:p>
+          <a:p>
+            <a:pPr marL="914400" lvl="1" indent="-457200">
+              <a:buFont typeface="+mj-lt"/>
+              <a:buAutoNum type="alphaLcPeriod"/>
+            </a:pPr>
+            <a:endParaRPr lang="en-CA" sz="3200" dirty="0">
+              <a:solidFill>
+                <a:schemeClr val="bg1"/>
+              </a:solidFill>
+            </a:endParaRPr>
+          </a:p>
+          <a:p>
+            <a:pPr marL="914400" lvl="1" indent="-457200">
+              <a:buFont typeface="+mj-lt"/>
+              <a:buAutoNum type="alphaLcPeriod"/>
+            </a:pPr>
             <a:endParaRPr lang="en-GB" sz="3200" dirty="0">
               <a:solidFill>
                 <a:schemeClr val="bg1"/>
@@ -4784,63 +4829,19 @@
               <a:buFont typeface="+mj-lt"/>
               <a:buAutoNum type="alphaLcPeriod"/>
             </a:pPr>
-            <a:r>
-              <a:rPr lang="en-GB" sz="2800" dirty="0">
-                <a:solidFill>
-                  <a:schemeClr val="bg1"/>
-                </a:solidFill>
-              </a:rPr>
-              <a:t>A </a:t>
-            </a:r>
-            <a:r>
-              <a:rPr lang="en-CA" sz="2800" dirty="0">
-                <a:solidFill>
-                  <a:schemeClr val="bg1"/>
-                </a:solidFill>
-              </a:rPr>
-              <a:t>checked exception?</a:t>
-            </a:r>
+            <a:endParaRPr lang="en-GB" sz="3200" dirty="0">
+              <a:solidFill>
+                <a:schemeClr val="bg1"/>
+              </a:solidFill>
+            </a:endParaRPr>
           </a:p>
           <a:p>
             <a:pPr marL="914400" lvl="1" indent="-457200">
               <a:buFont typeface="+mj-lt"/>
               <a:buAutoNum type="alphaLcPeriod"/>
             </a:pPr>
-            <a:endParaRPr lang="en-GB" sz="2800" dirty="0">
-              <a:solidFill>
-                <a:schemeClr val="bg1"/>
-              </a:solidFill>
-            </a:endParaRPr>
-          </a:p>
-          <a:p>
-            <a:pPr marL="914400" lvl="1" indent="-457200">
-              <a:buFont typeface="+mj-lt"/>
-              <a:buAutoNum type="alphaLcPeriod"/>
-            </a:pPr>
-            <a:endParaRPr lang="en-GB" sz="2800" dirty="0">
-              <a:solidFill>
-                <a:schemeClr val="bg1"/>
-              </a:solidFill>
-            </a:endParaRPr>
-          </a:p>
-          <a:p>
-            <a:pPr marL="914400" lvl="1" indent="-457200">
-              <a:buFont typeface="+mj-lt"/>
-              <a:buAutoNum type="alphaLcPeriod"/>
-            </a:pPr>
-            <a:endParaRPr lang="en-GB" sz="2800" dirty="0">
-              <a:solidFill>
-                <a:schemeClr val="bg1"/>
-              </a:solidFill>
-            </a:endParaRPr>
-          </a:p>
-          <a:p>
-            <a:pPr marL="914400" lvl="1" indent="-457200">
-              <a:buFont typeface="+mj-lt"/>
-              <a:buAutoNum type="alphaLcPeriod"/>
-            </a:pPr>
-            <a:r>
-              <a:rPr lang="en-GB" sz="2800" dirty="0">
+            <a:r>
+              <a:rPr lang="en-GB" sz="3200" dirty="0">
                 <a:solidFill>
                   <a:schemeClr val="bg1"/>
                 </a:solidFill>
@@ -5069,8 +5070,83 @@
         </p:nvSpPr>
         <p:spPr>
           <a:xfrm>
-            <a:off x="1218831" y="3561853"/>
-            <a:ext cx="4877169" cy="830997"/>
+            <a:off x="1218831" y="3629585"/>
+            <a:ext cx="5681427" cy="954107"/>
+          </a:xfrm>
+          <a:prstGeom prst="rect">
+            <a:avLst/>
+          </a:prstGeom>
+          <a:noFill/>
+        </p:spPr>
+        <p:txBody>
+          <a:bodyPr wrap="square" rtlCol="0">
+            <a:spAutoFit/>
+          </a:bodyPr>
+          <a:lstStyle/>
+          <a:p>
+            <a:r>
+              <a:rPr lang="en-US" sz="2800" dirty="0">
+                <a:solidFill>
+                  <a:srgbClr val="FFC000"/>
+                </a:solidFill>
+                <a:latin typeface="Abel" panose="02000506030000020004" pitchFamily="2" charset="0"/>
+              </a:rPr>
+              <a:t>You try to open a file that does not exist</a:t>
+            </a:r>
+          </a:p>
+          <a:p>
+            <a:r>
+              <a:rPr lang="en-US" sz="2800" dirty="0">
+                <a:solidFill>
+                  <a:srgbClr val="FFC000"/>
+                </a:solidFill>
+                <a:latin typeface="Abel" panose="02000506030000020004" pitchFamily="2" charset="0"/>
+              </a:rPr>
+              <a:t>(</a:t>
+            </a:r>
+            <a:r>
+              <a:rPr lang="en-CA" sz="2800" dirty="0" err="1">
+                <a:solidFill>
+                  <a:srgbClr val="FFC000"/>
+                </a:solidFill>
+                <a:latin typeface="Abel" panose="02000506030000020004" pitchFamily="2" charset="0"/>
+              </a:rPr>
+              <a:t>FileNotFoundException</a:t>
+            </a:r>
+            <a:r>
+              <a:rPr lang="en-CA" sz="2800" dirty="0">
+                <a:solidFill>
+                  <a:srgbClr val="FFC000"/>
+                </a:solidFill>
+                <a:latin typeface="Abel" panose="02000506030000020004" pitchFamily="2" charset="0"/>
+              </a:rPr>
+              <a:t>)</a:t>
+            </a:r>
+            <a:endParaRPr lang="en-US" sz="2800" dirty="0">
+              <a:solidFill>
+                <a:srgbClr val="FFC000"/>
+              </a:solidFill>
+              <a:latin typeface="Abel" panose="02000506030000020004" pitchFamily="2" charset="0"/>
+            </a:endParaRPr>
+          </a:p>
+        </p:txBody>
+      </p:sp>
+      <p:sp>
+        <p:nvSpPr>
+          <p:cNvPr id="10" name="TextBox 9">
+            <a:extLst>
+              <a:ext uri="{FF2B5EF4-FFF2-40B4-BE49-F238E27FC236}">
+                <a16:creationId xmlns:a16="http://schemas.microsoft.com/office/drawing/2014/main" id="{4BC0E6F2-C594-AE4A-8982-3B8C0897483E}"/>
+              </a:ext>
+            </a:extLst>
+          </p:cNvPr>
+          <p:cNvSpPr txBox="1"/>
+          <p:nvPr/>
+        </p:nvSpPr>
+        <p:spPr>
+          <a:xfrm>
+            <a:off x="1218831" y="5600495"/>
+            <a:ext cx="6199646" cy="830997"/>
           </a:xfrm>
           <a:prstGeom prst="rect">
             <a:avLst/>
@@ -5090,82 +5166,7 @@
                 </a:solidFill>
                 <a:latin typeface="Abel" panose="02000506030000020004" pitchFamily="2" charset="0"/>
               </a:rPr>
-              <a:t>You try to open a file that does not exist</a:t>
-            </a:r>
-          </a:p>
-          <a:p>
-            <a:r>
-              <a:rPr lang="en-US" sz="2400" dirty="0">
-                <a:solidFill>
-                  <a:srgbClr val="FFC000"/>
-                </a:solidFill>
-                <a:latin typeface="Abel" panose="02000506030000020004" pitchFamily="2" charset="0"/>
-              </a:rPr>
-              <a:t>(</a:t>
-            </a:r>
-            <a:r>
-              <a:rPr lang="en-CA" sz="2400" dirty="0" err="1">
-                <a:solidFill>
-                  <a:srgbClr val="FFC000"/>
-                </a:solidFill>
-                <a:latin typeface="Abel" panose="02000506030000020004" pitchFamily="2" charset="0"/>
-              </a:rPr>
-              <a:t>FileNotFoundException</a:t>
-            </a:r>
-            <a:r>
-              <a:rPr lang="en-CA" sz="2400" dirty="0">
-                <a:solidFill>
-                  <a:srgbClr val="FFC000"/>
-                </a:solidFill>
-                <a:latin typeface="Abel" panose="02000506030000020004" pitchFamily="2" charset="0"/>
-              </a:rPr>
-              <a:t>)</a:t>
-            </a:r>
-            <a:endParaRPr lang="en-US" sz="2400" dirty="0">
-              <a:solidFill>
-                <a:srgbClr val="FFC000"/>
-              </a:solidFill>
-              <a:latin typeface="Abel" panose="02000506030000020004" pitchFamily="2" charset="0"/>
-            </a:endParaRPr>
-          </a:p>
-        </p:txBody>
-      </p:sp>
-      <p:sp>
-        <p:nvSpPr>
-          <p:cNvPr id="10" name="TextBox 9">
-            <a:extLst>
-              <a:ext uri="{FF2B5EF4-FFF2-40B4-BE49-F238E27FC236}">
-                <a16:creationId xmlns:a16="http://schemas.microsoft.com/office/drawing/2014/main" id="{4BC0E6F2-C594-AE4A-8982-3B8C0897483E}"/>
-              </a:ext>
-            </a:extLst>
-          </p:cNvPr>
-          <p:cNvSpPr txBox="1"/>
-          <p:nvPr/>
-        </p:nvSpPr>
-        <p:spPr>
-          <a:xfrm>
-            <a:off x="1218831" y="5298081"/>
-            <a:ext cx="7038017" cy="830997"/>
-          </a:xfrm>
-          <a:prstGeom prst="rect">
-            <a:avLst/>
-          </a:prstGeom>
-          <a:noFill/>
-        </p:spPr>
-        <p:txBody>
-          <a:bodyPr wrap="none" rtlCol="0">
-            <a:spAutoFit/>
-          </a:bodyPr>
-          <a:lstStyle/>
-          <a:p>
-            <a:r>
-              <a:rPr lang="en-US" sz="2400" dirty="0">
-                <a:solidFill>
-                  <a:srgbClr val="FFC000"/>
-                </a:solidFill>
-                <a:latin typeface="Abel" panose="02000506030000020004" pitchFamily="2" charset="0"/>
-              </a:rPr>
-              <a:t>You try to open a access an array index that does not exist</a:t>
+              <a:t>You try to access an array index that does not exist</a:t>
             </a:r>
           </a:p>
           <a:p>
@@ -5475,17 +5476,104 @@
           <a:chExt cx="0" cy="0"/>
         </a:xfrm>
       </p:grpSpPr>
+      <p:sp>
+        <p:nvSpPr>
+          <p:cNvPr id="5" name="Title 4">
+            <a:extLst>
+              <a:ext uri="{FF2B5EF4-FFF2-40B4-BE49-F238E27FC236}">
+                <a16:creationId xmlns:a16="http://schemas.microsoft.com/office/drawing/2014/main" id="{C8E1F4CC-9C92-4F35-B91B-68784DF68C72}"/>
+              </a:ext>
+            </a:extLst>
+          </p:cNvPr>
+          <p:cNvSpPr>
+            <a:spLocks noGrp="1"/>
+          </p:cNvSpPr>
+          <p:nvPr>
+            <p:ph type="title"/>
+          </p:nvPr>
+        </p:nvSpPr>
+        <p:spPr>
+          <a:xfrm>
+            <a:off x="2782957" y="1709738"/>
+            <a:ext cx="8570843" cy="2852737"/>
+          </a:xfrm>
+        </p:spPr>
+        <p:txBody>
+          <a:bodyPr/>
+          <a:lstStyle/>
+          <a:p>
+            <a:r>
+              <a:rPr lang="en-GB" dirty="0"/>
+              <a:t>Part 2: Exception Handling with Java</a:t>
+            </a:r>
+          </a:p>
+        </p:txBody>
+      </p:sp>
+      <p:sp>
+        <p:nvSpPr>
+          <p:cNvPr id="6" name="Text Placeholder 5">
+            <a:extLst>
+              <a:ext uri="{FF2B5EF4-FFF2-40B4-BE49-F238E27FC236}">
+                <a16:creationId xmlns:a16="http://schemas.microsoft.com/office/drawing/2014/main" id="{A15DB790-AF90-489E-9E2C-4D911518536D}"/>
+              </a:ext>
+            </a:extLst>
+          </p:cNvPr>
+          <p:cNvSpPr>
+            <a:spLocks noGrp="1"/>
+          </p:cNvSpPr>
+          <p:nvPr>
+            <p:ph type="body" idx="1"/>
+          </p:nvPr>
+        </p:nvSpPr>
+        <p:spPr/>
+        <p:txBody>
+          <a:bodyPr/>
+          <a:lstStyle/>
+          <a:p>
+            <a:endParaRPr lang="en-GB" dirty="0"/>
+          </a:p>
+        </p:txBody>
+      </p:sp>
+      <p:sp>
+        <p:nvSpPr>
+          <p:cNvPr id="2" name="Slide Number Placeholder 1">
+            <a:extLst>
+              <a:ext uri="{FF2B5EF4-FFF2-40B4-BE49-F238E27FC236}">
+                <a16:creationId xmlns:a16="http://schemas.microsoft.com/office/drawing/2014/main" id="{E18735C6-6378-451D-AE9D-DBF7F37A23EB}"/>
+              </a:ext>
+            </a:extLst>
+          </p:cNvPr>
+          <p:cNvSpPr>
+            <a:spLocks noGrp="1"/>
+          </p:cNvSpPr>
+          <p:nvPr>
+            <p:ph type="sldNum" sz="quarter" idx="12"/>
+          </p:nvPr>
+        </p:nvSpPr>
+        <p:spPr/>
+        <p:txBody>
+          <a:bodyPr/>
+          <a:lstStyle/>
+          <a:p>
+            <a:fld id="{F559E602-78AE-45AA-A7A2-15E4DC6D4F7E}" type="slidenum">
+              <a:rPr lang="en-GB" smtClean="0"/>
+              <a:t>12</a:t>
+            </a:fld>
+            <a:endParaRPr lang="en-GB"/>
+          </a:p>
+        </p:txBody>
+      </p:sp>
       <p:pic>
         <p:nvPicPr>
-          <p:cNvPr id="2052" name="Picture 4" descr="Related image">
+          <p:cNvPr id="6146" name="Picture 2" descr="And, applications, code, compile, compiler, programming, script">
             <a:extLst>
               <a:ext uri="{FF2B5EF4-FFF2-40B4-BE49-F238E27FC236}">
-                <a16:creationId xmlns:a16="http://schemas.microsoft.com/office/drawing/2014/main" id="{5FF9E4DE-F316-4F00-8997-76419BBFF786}"/>
+                <a16:creationId xmlns:a16="http://schemas.microsoft.com/office/drawing/2014/main" id="{93C23BCB-8633-D19C-F076-7842105CC172}"/>
               </a:ext>
             </a:extLst>
           </p:cNvPr>
           <p:cNvPicPr>
-            <a:picLocks noChangeAspect="1" noChangeArrowheads="1" noCrop="1"/>
+            <a:picLocks noChangeAspect="1" noChangeArrowheads="1"/>
           </p:cNvPicPr>
           <p:nvPr/>
         </p:nvPicPr>
@@ -5504,8 +5592,8 @@
         </p:blipFill>
         <p:spPr bwMode="auto">
           <a:xfrm>
-            <a:off x="838200" y="3286539"/>
-            <a:ext cx="2551872" cy="1275936"/>
+            <a:off x="1168400" y="2883430"/>
+            <a:ext cx="1439333" cy="1439333"/>
           </a:xfrm>
           <a:prstGeom prst="rect">
             <a:avLst/>
@@ -5522,93 +5610,6 @@
           </a:extLst>
         </p:spPr>
       </p:pic>
-      <p:sp>
-        <p:nvSpPr>
-          <p:cNvPr id="5" name="Title 4">
-            <a:extLst>
-              <a:ext uri="{FF2B5EF4-FFF2-40B4-BE49-F238E27FC236}">
-                <a16:creationId xmlns:a16="http://schemas.microsoft.com/office/drawing/2014/main" id="{C8E1F4CC-9C92-4F35-B91B-68784DF68C72}"/>
-              </a:ext>
-            </a:extLst>
-          </p:cNvPr>
-          <p:cNvSpPr>
-            <a:spLocks noGrp="1"/>
-          </p:cNvSpPr>
-          <p:nvPr>
-            <p:ph type="title"/>
-          </p:nvPr>
-        </p:nvSpPr>
-        <p:spPr>
-          <a:xfrm>
-            <a:off x="2782957" y="1709738"/>
-            <a:ext cx="8564494" cy="2852737"/>
-          </a:xfrm>
-        </p:spPr>
-        <p:txBody>
-          <a:bodyPr/>
-          <a:lstStyle/>
-          <a:p>
-            <a:r>
-              <a:rPr lang="en-GB" dirty="0"/>
-              <a:t>Introduction to Exception Handling with Java</a:t>
-            </a:r>
-          </a:p>
-        </p:txBody>
-      </p:sp>
-      <p:sp>
-        <p:nvSpPr>
-          <p:cNvPr id="6" name="Text Placeholder 5">
-            <a:extLst>
-              <a:ext uri="{FF2B5EF4-FFF2-40B4-BE49-F238E27FC236}">
-                <a16:creationId xmlns:a16="http://schemas.microsoft.com/office/drawing/2014/main" id="{A15DB790-AF90-489E-9E2C-4D911518536D}"/>
-              </a:ext>
-            </a:extLst>
-          </p:cNvPr>
-          <p:cNvSpPr>
-            <a:spLocks noGrp="1"/>
-          </p:cNvSpPr>
-          <p:nvPr>
-            <p:ph type="body" idx="1"/>
-          </p:nvPr>
-        </p:nvSpPr>
-        <p:spPr/>
-        <p:txBody>
-          <a:bodyPr/>
-          <a:lstStyle/>
-          <a:p>
-            <a:endParaRPr lang="en-GB" dirty="0"/>
-          </a:p>
-        </p:txBody>
-      </p:sp>
-      <p:sp>
-        <p:nvSpPr>
-          <p:cNvPr id="2" name="Slide Number Placeholder 1">
-            <a:extLst>
-              <a:ext uri="{FF2B5EF4-FFF2-40B4-BE49-F238E27FC236}">
-                <a16:creationId xmlns:a16="http://schemas.microsoft.com/office/drawing/2014/main" id="{E18735C6-6378-451D-AE9D-DBF7F37A23EB}"/>
-              </a:ext>
-            </a:extLst>
-          </p:cNvPr>
-          <p:cNvSpPr>
-            <a:spLocks noGrp="1"/>
-          </p:cNvSpPr>
-          <p:nvPr>
-            <p:ph type="sldNum" sz="quarter" idx="12"/>
-          </p:nvPr>
-        </p:nvSpPr>
-        <p:spPr/>
-        <p:txBody>
-          <a:bodyPr/>
-          <a:lstStyle/>
-          <a:p>
-            <a:fld id="{F559E602-78AE-45AA-A7A2-15E4DC6D4F7E}" type="slidenum">
-              <a:rPr lang="en-GB" smtClean="0"/>
-              <a:t>12</a:t>
-            </a:fld>
-            <a:endParaRPr lang="en-GB"/>
-          </a:p>
-        </p:txBody>
-      </p:sp>
     </p:spTree>
     <p:extLst>
       <p:ext uri="{BB962C8B-B14F-4D97-AF65-F5344CB8AC3E}">
@@ -5681,7 +5682,27 @@
                   </a:schemeClr>
                 </a:solidFill>
               </a:rPr>
-              <a:t>What is the output (1/4)?</a:t>
+              <a:t>What is the output (</a:t>
+            </a:r>
+            <a:r>
+              <a:rPr lang="en-GB" dirty="0">
+                <a:solidFill>
+                  <a:schemeClr val="bg1">
+                    <a:lumMod val="75000"/>
+                  </a:schemeClr>
+                </a:solidFill>
+              </a:rPr>
+              <a:t>1</a:t>
+            </a:r>
+            <a:r>
+              <a:rPr lang="en-GB" dirty="0">
+                <a:solidFill>
+                  <a:schemeClr val="bg1">
+                    <a:lumMod val="95000"/>
+                  </a:schemeClr>
+                </a:solidFill>
+              </a:rPr>
+              <a:t>/4)?</a:t>
             </a:r>
           </a:p>
         </p:txBody>
@@ -5730,7 +5751,7 @@
         <p:spPr>
           <a:xfrm>
             <a:off x="838200" y="5687243"/>
-            <a:ext cx="3887972" cy="1015663"/>
+            <a:ext cx="3887972" cy="966162"/>
           </a:xfrm>
           <a:prstGeom prst="rect">
             <a:avLst/>
@@ -5743,8 +5764,13 @@
           </a:bodyPr>
           <a:lstStyle/>
           <a:p>
-            <a:r>
-              <a:rPr lang="en-CA" sz="2000" dirty="0">
+            <a:pPr>
+              <a:lnSpc>
+                <a:spcPct val="150000"/>
+              </a:lnSpc>
+            </a:pPr>
+            <a:r>
+              <a:rPr lang="en-CA" sz="2000" b="1" dirty="0">
                 <a:solidFill>
                   <a:srgbClr val="FFC000"/>
                 </a:solidFill>
@@ -5755,15 +5781,11 @@
             </a:r>
           </a:p>
           <a:p>
-            <a:endParaRPr lang="en-CA" sz="2000" dirty="0">
-              <a:solidFill>
-                <a:srgbClr val="FFC000"/>
-              </a:solidFill>
-              <a:latin typeface="Consolas" panose="020B0609020204030204" pitchFamily="49" charset="0"/>
-              <a:cs typeface="Consolas" panose="020B0609020204030204" pitchFamily="49" charset="0"/>
-            </a:endParaRPr>
-          </a:p>
-          <a:p>
+            <a:pPr>
+              <a:lnSpc>
+                <a:spcPct val="150000"/>
+              </a:lnSpc>
+            </a:pPr>
             <a:r>
               <a:rPr lang="en-CA" sz="2000" dirty="0">
                 <a:solidFill>
@@ -5972,7 +5994,27 @@
                   </a:schemeClr>
                 </a:solidFill>
               </a:rPr>
-              <a:t>What is the output (2/4)?</a:t>
+              <a:t>What is the output (</a:t>
+            </a:r>
+            <a:r>
+              <a:rPr lang="en-GB" dirty="0">
+                <a:solidFill>
+                  <a:schemeClr val="bg1">
+                    <a:lumMod val="75000"/>
+                  </a:schemeClr>
+                </a:solidFill>
+              </a:rPr>
+              <a:t>2</a:t>
+            </a:r>
+            <a:r>
+              <a:rPr lang="en-GB" dirty="0">
+                <a:solidFill>
+                  <a:schemeClr val="bg1">
+                    <a:lumMod val="95000"/>
+                  </a:schemeClr>
+                </a:solidFill>
+              </a:rPr>
+              <a:t>/4)?</a:t>
             </a:r>
           </a:p>
         </p:txBody>
@@ -6053,7 +6095,7 @@
         <p:spPr>
           <a:xfrm>
             <a:off x="1013960" y="5750964"/>
-            <a:ext cx="3887972" cy="923330"/>
+            <a:ext cx="3887972" cy="878830"/>
           </a:xfrm>
           <a:prstGeom prst="rect">
             <a:avLst/>
@@ -6068,8 +6110,13 @@
           </a:bodyPr>
           <a:lstStyle/>
           <a:p>
-            <a:r>
-              <a:rPr lang="en-CA" dirty="0">
+            <a:pPr>
+              <a:lnSpc>
+                <a:spcPct val="150000"/>
+              </a:lnSpc>
+            </a:pPr>
+            <a:r>
+              <a:rPr lang="en-CA" b="1" dirty="0">
                 <a:solidFill>
                   <a:srgbClr val="FFC000"/>
                 </a:solidFill>
@@ -6080,15 +6127,11 @@
             </a:r>
           </a:p>
           <a:p>
-            <a:endParaRPr lang="en-CA" dirty="0">
-              <a:solidFill>
-                <a:srgbClr val="FFC000"/>
-              </a:solidFill>
-              <a:latin typeface="Consolas" panose="020B0609020204030204" pitchFamily="49" charset="0"/>
-              <a:cs typeface="Consolas" panose="020B0609020204030204" pitchFamily="49" charset="0"/>
-            </a:endParaRPr>
-          </a:p>
-          <a:p>
+            <a:pPr>
+              <a:lnSpc>
+                <a:spcPct val="150000"/>
+              </a:lnSpc>
+            </a:pPr>
             <a:r>
               <a:rPr lang="en-CA" dirty="0" err="1">
                 <a:solidFill>
@@ -6297,7 +6340,27 @@
                   </a:schemeClr>
                 </a:solidFill>
               </a:rPr>
-              <a:t>What is the output (3/4)?</a:t>
+              <a:t>What is the output (</a:t>
+            </a:r>
+            <a:r>
+              <a:rPr lang="en-GB" dirty="0">
+                <a:solidFill>
+                  <a:schemeClr val="bg1">
+                    <a:lumMod val="75000"/>
+                  </a:schemeClr>
+                </a:solidFill>
+              </a:rPr>
+              <a:t>3</a:t>
+            </a:r>
+            <a:r>
+              <a:rPr lang="en-GB" dirty="0">
+                <a:solidFill>
+                  <a:schemeClr val="bg1">
+                    <a:lumMod val="95000"/>
+                  </a:schemeClr>
+                </a:solidFill>
+              </a:rPr>
+              <a:t>/4)?</a:t>
             </a:r>
           </a:p>
         </p:txBody>
@@ -6378,7 +6441,7 @@
         <p:spPr>
           <a:xfrm>
             <a:off x="856913" y="5807244"/>
-            <a:ext cx="4120332" cy="923330"/>
+            <a:ext cx="4120332" cy="878830"/>
           </a:xfrm>
           <a:prstGeom prst="rect">
             <a:avLst/>
@@ -6393,8 +6456,13 @@
           </a:bodyPr>
           <a:lstStyle/>
           <a:p>
-            <a:r>
-              <a:rPr lang="en-CA" dirty="0">
+            <a:pPr>
+              <a:lnSpc>
+                <a:spcPct val="150000"/>
+              </a:lnSpc>
+            </a:pPr>
+            <a:r>
+              <a:rPr lang="en-CA" b="1" dirty="0">
                 <a:solidFill>
                   <a:srgbClr val="FFC000"/>
                 </a:solidFill>
@@ -6405,15 +6473,11 @@
             </a:r>
           </a:p>
           <a:p>
-            <a:endParaRPr lang="en-CA" dirty="0">
-              <a:solidFill>
-                <a:srgbClr val="FFC000"/>
-              </a:solidFill>
-              <a:latin typeface="Consolas" panose="020B0609020204030204" pitchFamily="49" charset="0"/>
-              <a:cs typeface="Consolas" panose="020B0609020204030204" pitchFamily="49" charset="0"/>
-            </a:endParaRPr>
-          </a:p>
-          <a:p>
+            <a:pPr>
+              <a:lnSpc>
+                <a:spcPct val="150000"/>
+              </a:lnSpc>
+            </a:pPr>
             <a:r>
               <a:rPr lang="en-CA" dirty="0" err="1">
                 <a:solidFill>
@@ -6526,7 +6590,7 @@
         </p:nvSpPr>
         <p:spPr>
           <a:xfrm>
-            <a:off x="7260447" y="1920863"/>
+            <a:off x="7548314" y="1962409"/>
             <a:ext cx="4176124" cy="461665"/>
           </a:xfrm>
           <a:prstGeom prst="rect">
@@ -6814,7 +6878,27 @@
                   </a:schemeClr>
                 </a:solidFill>
               </a:rPr>
-              <a:t>What is the output (4/4)?</a:t>
+              <a:t>What is the output (</a:t>
+            </a:r>
+            <a:r>
+              <a:rPr lang="en-GB" dirty="0">
+                <a:solidFill>
+                  <a:schemeClr val="bg1">
+                    <a:lumMod val="75000"/>
+                  </a:schemeClr>
+                </a:solidFill>
+              </a:rPr>
+              <a:t>4</a:t>
+            </a:r>
+            <a:r>
+              <a:rPr lang="en-GB" dirty="0">
+                <a:solidFill>
+                  <a:schemeClr val="bg1">
+                    <a:lumMod val="95000"/>
+                  </a:schemeClr>
+                </a:solidFill>
+              </a:rPr>
+              <a:t>/4)?</a:t>
             </a:r>
           </a:p>
         </p:txBody>
@@ -6895,7 +6979,7 @@
         <p:spPr>
           <a:xfrm>
             <a:off x="838200" y="5856133"/>
-            <a:ext cx="3887972" cy="923330"/>
+            <a:ext cx="3887972" cy="878830"/>
           </a:xfrm>
           <a:prstGeom prst="rect">
             <a:avLst/>
@@ -6910,8 +6994,13 @@
           </a:bodyPr>
           <a:lstStyle/>
           <a:p>
-            <a:r>
-              <a:rPr lang="en-CA" dirty="0">
+            <a:pPr>
+              <a:lnSpc>
+                <a:spcPct val="150000"/>
+              </a:lnSpc>
+            </a:pPr>
+            <a:r>
+              <a:rPr lang="en-CA" b="1" dirty="0">
                 <a:solidFill>
                   <a:srgbClr val="FFC000"/>
                 </a:solidFill>
@@ -6922,15 +7011,11 @@
             </a:r>
           </a:p>
           <a:p>
-            <a:endParaRPr lang="en-CA" dirty="0">
-              <a:solidFill>
-                <a:srgbClr val="FFC000"/>
-              </a:solidFill>
-              <a:latin typeface="Consolas" panose="020B0609020204030204" pitchFamily="49" charset="0"/>
-              <a:cs typeface="Consolas" panose="020B0609020204030204" pitchFamily="49" charset="0"/>
-            </a:endParaRPr>
-          </a:p>
-          <a:p>
+            <a:pPr>
+              <a:lnSpc>
+                <a:spcPct val="150000"/>
+              </a:lnSpc>
+            </a:pPr>
             <a:r>
               <a:rPr lang="en-CA" dirty="0">
                 <a:solidFill>
@@ -9144,7 +9229,7 @@
           <a:p>
             <a:r>
               <a:rPr lang="en-GB" dirty="0"/>
-              <a:t>End of Class!</a:t>
+              <a:t>End of Class</a:t>
             </a:r>
           </a:p>
         </p:txBody>
@@ -9202,7 +9287,7 @@
             <a:pPr lvl="1"/>
             <a:r>
               <a:rPr lang="en-GB" sz="3200" dirty="0"/>
-              <a:t>What is checked and unchecked Exception?</a:t>
+              <a:t>What is a checked and unchecked Exception?</a:t>
             </a:r>
           </a:p>
           <a:p>
@@ -10053,46 +10138,47 @@
         </p:nvSpPr>
         <p:spPr/>
         <p:txBody>
-          <a:bodyPr/>
+          <a:bodyPr>
+            <a:normAutofit/>
+          </a:bodyPr>
           <a:lstStyle/>
           <a:p>
             <a:r>
-              <a:rPr lang="en-GB" dirty="0"/>
-              <a:t>Introduction to Exception Handling</a:t>
+              <a:rPr lang="en-GB" sz="3600" dirty="0"/>
+              <a:t>Part 1: Introduction to Exception Handling</a:t>
             </a:r>
           </a:p>
           <a:p>
             <a:pPr lvl="1"/>
             <a:r>
-              <a:rPr lang="en-GB" dirty="0"/>
+              <a:rPr lang="en-GB" sz="3200" dirty="0"/>
               <a:t>Errors vs Exceptions</a:t>
             </a:r>
           </a:p>
           <a:p>
             <a:pPr lvl="1"/>
             <a:r>
-              <a:rPr lang="en-GB" dirty="0"/>
+              <a:rPr lang="en-GB" sz="3200" dirty="0"/>
               <a:t>Run-time errors</a:t>
             </a:r>
           </a:p>
           <a:p>
             <a:pPr lvl="1"/>
             <a:r>
-              <a:rPr lang="en-GB" dirty="0"/>
-              <a:t>Exception handling in Java</a:t>
+              <a:rPr lang="en-GB" sz="3200" dirty="0"/>
+              <a:t>Types of Exceptions</a:t>
+            </a:r>
+          </a:p>
+          <a:p>
+            <a:r>
+              <a:rPr lang="en-GB" sz="3600" dirty="0"/>
+              <a:t>Part 2: Java samples</a:t>
             </a:r>
           </a:p>
           <a:p>
             <a:pPr lvl="1"/>
             <a:r>
-              <a:rPr lang="en-GB" dirty="0"/>
-              <a:t>Types of Exceptions</a:t>
-            </a:r>
-          </a:p>
-          <a:p>
-            <a:pPr lvl="1"/>
-            <a:r>
-              <a:rPr lang="en-GB" dirty="0"/>
+              <a:rPr lang="en-GB" sz="3200" dirty="0"/>
               <a:t>Common examples of Exceptions in Java</a:t>
             </a:r>
           </a:p>
@@ -10100,16 +10186,16 @@
             <a:pPr marL="0" indent="0">
               <a:buNone/>
             </a:pPr>
-            <a:endParaRPr lang="en-GB" dirty="0"/>
-          </a:p>
-          <a:p>
-            <a:endParaRPr lang="en-GB" dirty="0"/>
+            <a:endParaRPr lang="en-GB" sz="3600" dirty="0"/>
+          </a:p>
+          <a:p>
+            <a:endParaRPr lang="en-GB" sz="3600" dirty="0"/>
           </a:p>
           <a:p>
             <a:pPr marL="457200" lvl="1" indent="0">
               <a:buNone/>
             </a:pPr>
-            <a:endParaRPr lang="en-GB" dirty="0"/>
+            <a:endParaRPr lang="en-GB" sz="3200" dirty="0"/>
           </a:p>
         </p:txBody>
       </p:sp>
@@ -10729,33 +10815,15 @@
                                   </p:childTnLst>
                                 </p:cTn>
                               </p:par>
-                            </p:childTnLst>
-                          </p:cTn>
-                        </p:par>
-                      </p:childTnLst>
-                    </p:cTn>
-                  </p:par>
-                  <p:par>
-                    <p:cTn id="38" fill="hold">
-                      <p:stCondLst>
-                        <p:cond delay="indefinite"/>
-                      </p:stCondLst>
-                      <p:childTnLst>
-                        <p:par>
-                          <p:cTn id="39" fill="hold">
-                            <p:stCondLst>
-                              <p:cond delay="0"/>
-                            </p:stCondLst>
-                            <p:childTnLst>
                               <p:par>
-                                <p:cTn id="40" presetID="42" presetClass="entr" presetSubtype="0" fill="hold" grpId="0" nodeType="clickEffect">
+                                <p:cTn id="38" presetID="42" presetClass="entr" presetSubtype="0" fill="hold" grpId="0" nodeType="withEffect">
                                   <p:stCondLst>
                                     <p:cond delay="0"/>
                                   </p:stCondLst>
                                   <p:childTnLst>
                                     <p:set>
                                       <p:cBhvr>
-                                        <p:cTn id="41" dur="1" fill="hold">
+                                        <p:cTn id="39" dur="1" fill="hold">
                                           <p:stCondLst>
                                             <p:cond delay="0"/>
                                           </p:stCondLst>
@@ -10777,7 +10845,7 @@
                                     </p:set>
                                     <p:animEffect transition="in" filter="fade">
                                       <p:cBhvr>
-                                        <p:cTn id="42" dur="1000"/>
+                                        <p:cTn id="40" dur="1000"/>
                                         <p:tgtEl>
                                           <p:spTgt spid="3">
                                             <p:txEl>
@@ -10789,7 +10857,7 @@
                                     </p:animEffect>
                                     <p:anim calcmode="lin" valueType="num">
                                       <p:cBhvr>
-                                        <p:cTn id="43" dur="1000" fill="hold"/>
+                                        <p:cTn id="41" dur="1000" fill="hold"/>
                                         <p:tgtEl>
                                           <p:spTgt spid="3">
                                             <p:txEl>
@@ -10816,7 +10884,7 @@
                                     </p:anim>
                                     <p:anim calcmode="lin" valueType="num">
                                       <p:cBhvr>
-                                        <p:cTn id="44" dur="1000" fill="hold"/>
+                                        <p:cTn id="42" dur="1000" fill="hold"/>
                                         <p:tgtEl>
                                           <p:spTgt spid="3">
                                             <p:txEl>
@@ -10911,6 +10979,224 @@
             <p:ph type="title"/>
           </p:nvPr>
         </p:nvSpPr>
+        <p:spPr>
+          <a:xfrm>
+            <a:off x="838200" y="365125"/>
+            <a:ext cx="3907221" cy="2062765"/>
+          </a:xfrm>
+        </p:spPr>
+        <p:txBody>
+          <a:bodyPr>
+            <a:normAutofit/>
+          </a:bodyPr>
+          <a:lstStyle/>
+          <a:p>
+            <a:r>
+              <a:rPr lang="en-GB" b="1" dirty="0"/>
+              <a:t>To do</a:t>
+            </a:r>
+          </a:p>
+        </p:txBody>
+      </p:sp>
+      <p:sp>
+        <p:nvSpPr>
+          <p:cNvPr id="4" name="Slide Number Placeholder 3">
+            <a:extLst>
+              <a:ext uri="{FF2B5EF4-FFF2-40B4-BE49-F238E27FC236}">
+                <a16:creationId xmlns:a16="http://schemas.microsoft.com/office/drawing/2014/main" id="{2933055F-4389-4F5D-B58B-217967B48E79}"/>
+              </a:ext>
+            </a:extLst>
+          </p:cNvPr>
+          <p:cNvSpPr>
+            <a:spLocks noGrp="1"/>
+          </p:cNvSpPr>
+          <p:nvPr>
+            <p:ph type="sldNum" sz="quarter" idx="12"/>
+          </p:nvPr>
+        </p:nvSpPr>
+        <p:spPr/>
+        <p:txBody>
+          <a:bodyPr/>
+          <a:lstStyle/>
+          <a:p>
+            <a:fld id="{F559E602-78AE-45AA-A7A2-15E4DC6D4F7E}" type="slidenum">
+              <a:rPr lang="en-GB" smtClean="0"/>
+              <a:t>20</a:t>
+            </a:fld>
+            <a:endParaRPr lang="en-GB"/>
+          </a:p>
+        </p:txBody>
+      </p:sp>
+      <p:pic>
+        <p:nvPicPr>
+          <p:cNvPr id="7" name="Picture 6">
+            <a:hlinkClick r:id="rId2"/>
+            <a:extLst>
+              <a:ext uri="{FF2B5EF4-FFF2-40B4-BE49-F238E27FC236}">
+                <a16:creationId xmlns:a16="http://schemas.microsoft.com/office/drawing/2014/main" id="{0B8D5B74-441E-0358-A9AD-0F45355A3C2A}"/>
+              </a:ext>
+            </a:extLst>
+          </p:cNvPr>
+          <p:cNvPicPr>
+            <a:picLocks noChangeAspect="1"/>
+          </p:cNvPicPr>
+          <p:nvPr/>
+        </p:nvPicPr>
+        <p:blipFill>
+          <a:blip r:embed="rId3"/>
+          <a:stretch>
+            <a:fillRect/>
+          </a:stretch>
+        </p:blipFill>
+        <p:spPr>
+          <a:xfrm>
+            <a:off x="4745421" y="90614"/>
+            <a:ext cx="7399281" cy="6676771"/>
+          </a:xfrm>
+          <a:prstGeom prst="rect">
+            <a:avLst/>
+          </a:prstGeom>
+        </p:spPr>
+      </p:pic>
+      <p:sp>
+        <p:nvSpPr>
+          <p:cNvPr id="9" name="Content Placeholder 2">
+            <a:extLst>
+              <a:ext uri="{FF2B5EF4-FFF2-40B4-BE49-F238E27FC236}">
+                <a16:creationId xmlns:a16="http://schemas.microsoft.com/office/drawing/2014/main" id="{DE857FF8-29ED-6F28-89DB-891C169D7FDA}"/>
+              </a:ext>
+            </a:extLst>
+          </p:cNvPr>
+          <p:cNvSpPr>
+            <a:spLocks noGrp="1"/>
+          </p:cNvSpPr>
+          <p:nvPr>
+            <p:ph idx="1"/>
+          </p:nvPr>
+        </p:nvSpPr>
+        <p:spPr>
+          <a:xfrm>
+            <a:off x="838200" y="1965033"/>
+            <a:ext cx="4868917" cy="1790007"/>
+          </a:xfrm>
+        </p:spPr>
+        <p:txBody>
+          <a:bodyPr>
+            <a:noAutofit/>
+          </a:bodyPr>
+          <a:lstStyle/>
+          <a:p>
+            <a:r>
+              <a:rPr lang="en-GB" dirty="0"/>
+              <a:t>Code samples are online:</a:t>
+            </a:r>
+          </a:p>
+          <a:p>
+            <a:pPr marL="457200" lvl="1" indent="0">
+              <a:buNone/>
+            </a:pPr>
+            <a:r>
+              <a:rPr lang="en-GB" sz="2800" dirty="0"/>
+              <a:t>1. Clone the GitHub repo</a:t>
+            </a:r>
+          </a:p>
+          <a:p>
+            <a:pPr marL="457200" lvl="1" indent="0">
+              <a:buNone/>
+            </a:pPr>
+            <a:r>
+              <a:rPr lang="en-GB" sz="2800" dirty="0"/>
+              <a:t>2. Run the samples</a:t>
+            </a:r>
+          </a:p>
+          <a:p>
+            <a:pPr marL="457200" lvl="1" indent="0">
+              <a:buNone/>
+            </a:pPr>
+            <a:r>
+              <a:rPr lang="en-GB" sz="2800" dirty="0"/>
+              <a:t>3. Customise the code</a:t>
+            </a:r>
+          </a:p>
+        </p:txBody>
+      </p:sp>
+      <p:pic>
+        <p:nvPicPr>
+          <p:cNvPr id="13" name="Picture 12">
+            <a:hlinkClick r:id="rId2"/>
+            <a:extLst>
+              <a:ext uri="{FF2B5EF4-FFF2-40B4-BE49-F238E27FC236}">
+                <a16:creationId xmlns:a16="http://schemas.microsoft.com/office/drawing/2014/main" id="{2AEB1842-FF15-67B7-8CEF-74D0A25727F4}"/>
+              </a:ext>
+            </a:extLst>
+          </p:cNvPr>
+          <p:cNvPicPr>
+            <a:picLocks noChangeAspect="1"/>
+          </p:cNvPicPr>
+          <p:nvPr/>
+        </p:nvPicPr>
+        <p:blipFill>
+          <a:blip r:embed="rId4"/>
+          <a:stretch>
+            <a:fillRect/>
+          </a:stretch>
+        </p:blipFill>
+        <p:spPr>
+          <a:xfrm>
+            <a:off x="10481733" y="5407391"/>
+            <a:ext cx="1679901" cy="1668626"/>
+          </a:xfrm>
+          <a:prstGeom prst="rect">
+            <a:avLst/>
+          </a:prstGeom>
+        </p:spPr>
+      </p:pic>
+    </p:spTree>
+    <p:extLst>
+      <p:ext uri="{BB962C8B-B14F-4D97-AF65-F5344CB8AC3E}">
+        <p14:creationId xmlns:p14="http://schemas.microsoft.com/office/powerpoint/2010/main" val="3909987054"/>
+      </p:ext>
+    </p:extLst>
+  </p:cSld>
+  <p:clrMapOvr>
+    <a:masterClrMapping/>
+  </p:clrMapOvr>
+</p:sld>
+</file>
+
+<file path=ppt/slides/slide21.xml><?xml version="1.0" encoding="utf-8"?>
+<p:sld xmlns:a="http://schemas.openxmlformats.org/drawingml/2006/main" xmlns:r="http://schemas.openxmlformats.org/officeDocument/2006/relationships" xmlns:p="http://schemas.openxmlformats.org/presentationml/2006/main">
+  <p:cSld>
+    <p:spTree>
+      <p:nvGrpSpPr>
+        <p:cNvPr id="1" name=""/>
+        <p:cNvGrpSpPr/>
+        <p:nvPr/>
+      </p:nvGrpSpPr>
+      <p:grpSpPr>
+        <a:xfrm>
+          <a:off x="0" y="0"/>
+          <a:ext cx="0" cy="0"/>
+          <a:chOff x="0" y="0"/>
+          <a:chExt cx="0" cy="0"/>
+        </a:xfrm>
+      </p:grpSpPr>
+      <p:sp>
+        <p:nvSpPr>
+          <p:cNvPr id="2" name="Title 1">
+            <a:extLst>
+              <a:ext uri="{FF2B5EF4-FFF2-40B4-BE49-F238E27FC236}">
+                <a16:creationId xmlns:a16="http://schemas.microsoft.com/office/drawing/2014/main" id="{AF97F227-CF9E-4331-8B78-E0855DE32B4A}"/>
+              </a:ext>
+            </a:extLst>
+          </p:cNvPr>
+          <p:cNvSpPr>
+            <a:spLocks noGrp="1"/>
+          </p:cNvSpPr>
+          <p:nvPr>
+            <p:ph type="title"/>
+          </p:nvPr>
+        </p:nvSpPr>
         <p:spPr/>
         <p:txBody>
           <a:bodyPr/>
@@ -10977,7 +11263,7 @@
           <a:p>
             <a:fld id="{F559E602-78AE-45AA-A7A2-15E4DC6D4F7E}" type="slidenum">
               <a:rPr lang="en-GB" smtClean="0"/>
-              <a:t>20</a:t>
+              <a:t>21</a:t>
             </a:fld>
             <a:endParaRPr lang="en-GB"/>
           </a:p>
@@ -11144,7 +11430,7 @@
 </p:sld>
 </file>
 
-<file path=ppt/slides/slide21.xml><?xml version="1.0" encoding="utf-8"?>
+<file path=ppt/slides/slide22.xml><?xml version="1.0" encoding="utf-8"?>
 <p:sld xmlns:a="http://schemas.openxmlformats.org/drawingml/2006/main" xmlns:r="http://schemas.openxmlformats.org/officeDocument/2006/relationships" xmlns:p="http://schemas.openxmlformats.org/presentationml/2006/main">
   <p:cSld>
     <p:spTree>
@@ -11297,7 +11583,7 @@
           <a:p>
             <a:fld id="{F559E602-78AE-45AA-A7A2-15E4DC6D4F7E}" type="slidenum">
               <a:rPr lang="en-GB" smtClean="0"/>
-              <a:t>21</a:t>
+              <a:t>22</a:t>
             </a:fld>
             <a:endParaRPr lang="en-GB"/>
           </a:p>
@@ -12139,7 +12425,7 @@
           <a:p>
             <a:r>
               <a:rPr lang="en-GB" dirty="0"/>
-              <a:t>Introduction to Errors and Exceptions</a:t>
+              <a:t>Part 1: Introduction to Errors and Exceptions</a:t>
             </a:r>
           </a:p>
         </p:txBody>
@@ -12280,34 +12566,34 @@
           <a:lstStyle/>
           <a:p>
             <a:r>
+              <a:rPr lang="en-CA" sz="3600" dirty="0"/>
+              <a:t>A runtime error occurs while a program is running or when you first attempt to start the application.</a:t>
+            </a:r>
+          </a:p>
+          <a:p>
+            <a:r>
+              <a:rPr lang="en-CA" sz="3600" dirty="0"/>
+              <a:t>What can cause a run-time error?</a:t>
+            </a:r>
+          </a:p>
+          <a:p>
+            <a:pPr lvl="1"/>
+            <a:r>
               <a:rPr lang="en-CA" sz="3200" dirty="0"/>
-              <a:t>A runtime error occurs while a program is running or when you first attempt to start the application.</a:t>
-            </a:r>
-          </a:p>
-          <a:p>
+              <a:t>There's a bug in the software.</a:t>
+            </a:r>
+          </a:p>
+          <a:p>
+            <a:pPr lvl="1"/>
             <a:r>
               <a:rPr lang="en-CA" sz="3200" dirty="0"/>
-              <a:t>What can cause a run-time error?</a:t>
+              <a:t>Memory or another system resource is in short supply.</a:t>
             </a:r>
           </a:p>
           <a:p>
             <a:pPr lvl="1"/>
             <a:r>
-              <a:rPr lang="en-CA" sz="2800" dirty="0"/>
-              <a:t>There's a bug in the software.</a:t>
-            </a:r>
-          </a:p>
-          <a:p>
-            <a:pPr lvl="1"/>
-            <a:r>
-              <a:rPr lang="en-CA" sz="2800" dirty="0"/>
-              <a:t>Memory or another system resource is in short supply.</a:t>
-            </a:r>
-          </a:p>
-          <a:p>
-            <a:pPr lvl="1"/>
-            <a:r>
-              <a:rPr lang="en-CA" sz="2800" dirty="0"/>
+              <a:rPr lang="en-CA" sz="3200" dirty="0"/>
               <a:t>Incorrect input, e.g. you enter a number in a String variable</a:t>
             </a:r>
           </a:p>
@@ -13032,36 +13318,36 @@
           <a:lstStyle/>
           <a:p>
             <a:r>
-              <a:rPr lang="en-CA" sz="3600" b="1" dirty="0"/>
+              <a:rPr lang="en-CA" sz="4000" b="1" dirty="0"/>
               <a:t>Definition:</a:t>
             </a:r>
             <a:r>
+              <a:rPr lang="en-CA" sz="4000" dirty="0"/>
+              <a:t> </a:t>
+            </a:r>
+          </a:p>
+          <a:p>
+            <a:pPr lvl="1"/>
+            <a:r>
               <a:rPr lang="en-CA" sz="3600" dirty="0"/>
-              <a:t> </a:t>
+              <a:t>An </a:t>
+            </a:r>
+            <a:r>
+              <a:rPr lang="en-CA" sz="3600" i="1" dirty="0"/>
+              <a:t>exception</a:t>
+            </a:r>
+            <a:r>
+              <a:rPr lang="en-CA" sz="3600" dirty="0"/>
+              <a:t> is an abnormal program behaviour or an event, which occurs during the execution of a program, that disrupts the normal flow of the program's instructions. </a:t>
             </a:r>
           </a:p>
           <a:p>
             <a:pPr lvl="1"/>
-            <a:r>
-              <a:rPr lang="en-CA" sz="3200" dirty="0"/>
-              <a:t>An </a:t>
-            </a:r>
-            <a:r>
-              <a:rPr lang="en-CA" sz="3200" i="1" dirty="0"/>
-              <a:t>exception</a:t>
-            </a:r>
-            <a:r>
-              <a:rPr lang="en-CA" sz="3200" dirty="0"/>
-              <a:t> is an abnormal program behaviour or an event, which occurs during the execution of a program, that disrupts the normal flow of the program's instructions. </a:t>
-            </a:r>
+            <a:endParaRPr lang="en-CA" sz="3600" dirty="0"/>
           </a:p>
           <a:p>
             <a:pPr lvl="1"/>
-            <a:endParaRPr lang="en-CA" sz="3200" dirty="0"/>
-          </a:p>
-          <a:p>
-            <a:pPr lvl="1"/>
-            <a:endParaRPr lang="en-GB" sz="3200" dirty="0"/>
+            <a:endParaRPr lang="en-GB" sz="3600" dirty="0"/>
           </a:p>
         </p:txBody>
       </p:sp>
@@ -13469,19 +13755,19 @@
           <a:lstStyle/>
           <a:p>
             <a:r>
-              <a:rPr lang="en-GB" sz="3200" dirty="0">
+              <a:rPr lang="en-GB" sz="3600" dirty="0">
                 <a:solidFill>
                   <a:schemeClr val="bg1"/>
                 </a:solidFill>
               </a:rPr>
-              <a:t>Can you think of an example of an exception?</a:t>
+              <a:t>Based on your in-class or in-lab experiences, can you think of an example of an exception?</a:t>
             </a:r>
           </a:p>
           <a:p>
             <a:pPr marL="0" indent="0">
               <a:buNone/>
             </a:pPr>
-            <a:endParaRPr lang="en-GB" sz="3200" dirty="0">
+            <a:endParaRPr lang="en-GB" sz="3600" dirty="0">
               <a:solidFill>
                 <a:schemeClr val="bg1"/>
               </a:solidFill>
@@ -13708,8 +13994,8 @@
         </p:nvSpPr>
         <p:spPr>
           <a:xfrm>
-            <a:off x="944493" y="2667053"/>
-            <a:ext cx="3145669" cy="1200329"/>
+            <a:off x="1092200" y="3223458"/>
+            <a:ext cx="3651192" cy="1384995"/>
           </a:xfrm>
           <a:prstGeom prst="rect">
             <a:avLst/>
@@ -13723,7 +14009,7 @@
           <a:lstStyle/>
           <a:p>
             <a:r>
-              <a:rPr lang="en-US" sz="2400" dirty="0">
+              <a:rPr lang="en-US" sz="2800" dirty="0">
                 <a:solidFill>
                   <a:srgbClr val="FFC000"/>
                 </a:solidFill>
@@ -13733,7 +14019,7 @@
             </a:r>
           </a:p>
           <a:p>
-            <a:endParaRPr lang="en-US" sz="2400" dirty="0">
+            <a:endParaRPr lang="en-US" sz="2800" dirty="0">
               <a:solidFill>
                 <a:srgbClr val="FFC000"/>
               </a:solidFill>
@@ -13741,7 +14027,7 @@
             </a:endParaRPr>
           </a:p>
           <a:p>
-            <a:endParaRPr lang="en-US" sz="2400" dirty="0">
+            <a:endParaRPr lang="en-US" sz="2800" dirty="0">
               <a:solidFill>
                 <a:srgbClr val="FFC000"/>
               </a:solidFill>
@@ -13764,8 +14050,8 @@
         </p:nvSpPr>
         <p:spPr>
           <a:xfrm>
-            <a:off x="944493" y="3369982"/>
-            <a:ext cx="6548780" cy="1200329"/>
+            <a:off x="1092200" y="3926387"/>
+            <a:ext cx="7638309" cy="1384995"/>
           </a:xfrm>
           <a:prstGeom prst="rect">
             <a:avLst/>
@@ -13779,7 +14065,7 @@
           <a:lstStyle/>
           <a:p>
             <a:r>
-              <a:rPr lang="en-US" sz="2400" dirty="0">
+              <a:rPr lang="en-US" sz="2800" dirty="0">
                 <a:solidFill>
                   <a:srgbClr val="FFC000"/>
                 </a:solidFill>
@@ -13790,7 +14076,7 @@
           </a:p>
           <a:p>
             <a:r>
-              <a:rPr lang="en-US" sz="2400" dirty="0">
+              <a:rPr lang="en-US" sz="2800" dirty="0">
                 <a:solidFill>
                   <a:srgbClr val="FFC000"/>
                 </a:solidFill>
@@ -13800,7 +14086,7 @@
             </a:r>
           </a:p>
           <a:p>
-            <a:endParaRPr lang="en-US" sz="2400" dirty="0">
+            <a:endParaRPr lang="en-US" sz="2800" dirty="0">
               <a:solidFill>
                 <a:srgbClr val="FFC000"/>
               </a:solidFill>
@@ -13823,8 +14109,8 @@
         </p:nvSpPr>
         <p:spPr>
           <a:xfrm>
-            <a:off x="944493" y="4078459"/>
-            <a:ext cx="2393604" cy="1200329"/>
+            <a:off x="1092200" y="4634864"/>
+            <a:ext cx="2770310" cy="1384995"/>
           </a:xfrm>
           <a:prstGeom prst="rect">
             <a:avLst/>
@@ -13837,7 +14123,7 @@
           </a:bodyPr>
           <a:lstStyle/>
           <a:p>
-            <a:endParaRPr lang="en-US" sz="2400" dirty="0">
+            <a:endParaRPr lang="en-US" sz="2800" dirty="0">
               <a:solidFill>
                 <a:srgbClr val="FFC000"/>
               </a:solidFill>
@@ -13846,7 +14132,7 @@
           </a:p>
           <a:p>
             <a:r>
-              <a:rPr lang="en-US" sz="2400" dirty="0">
+              <a:rPr lang="en-US" sz="2800" dirty="0">
                 <a:solidFill>
                   <a:srgbClr val="FFC000"/>
                 </a:solidFill>
@@ -13856,7 +14142,7 @@
             </a:r>
           </a:p>
           <a:p>
-            <a:endParaRPr lang="en-US" sz="2400" dirty="0">
+            <a:endParaRPr lang="en-US" sz="2800" dirty="0">
               <a:solidFill>
                 <a:srgbClr val="FFC000"/>
               </a:solidFill>
@@ -14279,49 +14565,49 @@
           <a:lstStyle/>
           <a:p>
             <a:r>
-              <a:rPr lang="en-CA" sz="3600" b="1" dirty="0"/>
+              <a:rPr lang="en-CA" sz="4000" b="1" dirty="0"/>
               <a:t>Errors</a:t>
             </a:r>
             <a:r>
+              <a:rPr lang="en-CA" sz="4000" dirty="0"/>
+              <a:t> represent </a:t>
+            </a:r>
+            <a:r>
+              <a:rPr lang="en-CA" sz="4000" b="1" dirty="0"/>
+              <a:t>irrecoverable</a:t>
+            </a:r>
+            <a:r>
+              <a:rPr lang="en-CA" sz="4000" dirty="0"/>
+              <a:t> conditions. </a:t>
+            </a:r>
+          </a:p>
+          <a:p>
+            <a:pPr lvl="1"/>
+            <a:r>
               <a:rPr lang="en-CA" sz="3600" dirty="0"/>
-              <a:t> represent </a:t>
-            </a:r>
-            <a:r>
-              <a:rPr lang="en-CA" sz="3600" b="1" dirty="0"/>
-              <a:t>irrecoverable</a:t>
-            </a:r>
+              <a:t>For example, if the Java virtual machine (JVM) is running out of memory and there are memory leaks.</a:t>
+            </a:r>
+          </a:p>
+          <a:p>
+            <a:pPr lvl="1"/>
             <a:r>
               <a:rPr lang="en-CA" sz="3600" dirty="0"/>
-              <a:t> conditions </a:t>
-            </a:r>
-          </a:p>
-          <a:p>
-            <a:pPr lvl="1"/>
-            <a:r>
-              <a:rPr lang="en-CA" sz="3200" dirty="0"/>
-              <a:t>For example, if the Java virtual machine (JVM) running out of memory, and there are memory leaks</a:t>
-            </a:r>
-          </a:p>
-          <a:p>
-            <a:pPr lvl="1"/>
-            <a:r>
-              <a:rPr lang="en-CA" sz="3200" dirty="0"/>
-              <a:t>Errors are usually beyond the control of the programmer and we should not try to handle errors.</a:t>
-            </a:r>
-            <a:endParaRPr lang="en-CA" sz="3600" dirty="0"/>
-          </a:p>
-          <a:p>
-            <a:r>
-              <a:rPr lang="en-CA" sz="3600" b="1" dirty="0"/>
+              <a:t>Errors are usually beyond the programmer's control</a:t>
+            </a:r>
+            <a:endParaRPr lang="en-CA" sz="4000" dirty="0"/>
+          </a:p>
+          <a:p>
+            <a:r>
+              <a:rPr lang="en-CA" sz="4000" b="1" dirty="0"/>
               <a:t>Exception: </a:t>
             </a:r>
             <a:r>
-              <a:rPr lang="en-CA" sz="3600" dirty="0"/>
+              <a:rPr lang="en-CA" sz="4000" dirty="0"/>
               <a:t>Exception indicates conditions that a reasonable application might try to catch.</a:t>
             </a:r>
           </a:p>
           <a:p>
-            <a:endParaRPr lang="en-GB" sz="4400" dirty="0"/>
+            <a:endParaRPr lang="en-GB" sz="4800" dirty="0"/>
           </a:p>
         </p:txBody>
       </p:sp>
@@ -14965,7 +15251,7 @@
             </a:r>
             <a:r>
               <a:rPr lang="en-CA" sz="3200" dirty="0" err="1"/>
-              <a:t>ClassNotFoundException</a:t>
+              <a:t>ArrayIndexOutOfBoundException</a:t>
             </a:r>
             <a:r>
               <a:rPr lang="en-CA" sz="3200" dirty="0"/>
@@ -15011,6 +15297,53 @@
           </a:p>
         </p:txBody>
       </p:sp>
+      <p:pic>
+        <p:nvPicPr>
+          <p:cNvPr id="4098" name="Picture 2" descr="exception Icon - Download exception Icon 3535754 | Noun Project">
+            <a:extLst>
+              <a:ext uri="{FF2B5EF4-FFF2-40B4-BE49-F238E27FC236}">
+                <a16:creationId xmlns:a16="http://schemas.microsoft.com/office/drawing/2014/main" id="{C40B9CE3-F630-29A9-8D98-0924E2221621}"/>
+              </a:ext>
+            </a:extLst>
+          </p:cNvPr>
+          <p:cNvPicPr>
+            <a:picLocks noChangeAspect="1" noChangeArrowheads="1"/>
+          </p:cNvPicPr>
+          <p:nvPr/>
+        </p:nvPicPr>
+        <p:blipFill>
+          <a:blip r:embed="rId2">
+            <a:extLst>
+              <a:ext uri="{28A0092B-C50C-407E-A947-70E740481C1C}">
+                <a14:useLocalDpi xmlns:a14="http://schemas.microsoft.com/office/drawing/2010/main" val="0"/>
+              </a:ext>
+            </a:extLst>
+          </a:blip>
+          <a:srcRect/>
+          <a:stretch>
+            <a:fillRect/>
+          </a:stretch>
+        </p:blipFill>
+        <p:spPr bwMode="auto">
+          <a:xfrm>
+            <a:off x="9846733" y="318558"/>
+            <a:ext cx="1507067" cy="1507067"/>
+          </a:xfrm>
+          <a:prstGeom prst="rect">
+            <a:avLst/>
+          </a:prstGeom>
+          <a:noFill/>
+          <a:extLst>
+            <a:ext uri="{909E8E84-426E-40DD-AFC4-6F175D3DCCD1}">
+              <a14:hiddenFill xmlns:a14="http://schemas.microsoft.com/office/drawing/2010/main">
+                <a:solidFill>
+                  <a:srgbClr val="FFFFFF"/>
+                </a:solidFill>
+              </a14:hiddenFill>
+            </a:ext>
+          </a:extLst>
+        </p:spPr>
+      </p:pic>
     </p:spTree>
     <p:extLst>
       <p:ext uri="{BB962C8B-B14F-4D97-AF65-F5344CB8AC3E}">
@@ -15706,28 +16039,28 @@
           <a:lstStyle/>
           <a:p>
             <a:r>
-              <a:rPr lang="en-CA" dirty="0"/>
+              <a:rPr lang="en-CA" sz="3200" dirty="0"/>
               <a:t>All exception and error types are subclasses of class </a:t>
             </a:r>
             <a:r>
-              <a:rPr lang="en-CA" b="1" dirty="0"/>
+              <a:rPr lang="en-CA" sz="3200" b="1" dirty="0"/>
               <a:t>Throwable</a:t>
             </a:r>
             <a:r>
-              <a:rPr lang="en-CA" dirty="0"/>
+              <a:rPr lang="en-CA" sz="3200" dirty="0"/>
               <a:t>, which is the base class of the hierarchy. </a:t>
             </a:r>
           </a:p>
           <a:p>
             <a:r>
-              <a:rPr lang="en-CA" dirty="0"/>
+              <a:rPr lang="en-CA" sz="3200" dirty="0"/>
               <a:t>Throwable is </a:t>
             </a:r>
             <a:r>
-              <a:rPr lang="en-GB" b="1" dirty="0"/>
+              <a:rPr lang="en-GB" sz="3200" b="1" dirty="0"/>
               <a:t>the superclass of all errors and exceptions in the Java language.</a:t>
             </a:r>
-            <a:endParaRPr lang="en-GB" dirty="0"/>
+            <a:endParaRPr lang="en-GB" sz="3200" dirty="0"/>
           </a:p>
         </p:txBody>
       </p:sp>
@@ -15774,8 +16107,8 @@
         </p:nvSpPr>
         <p:spPr>
           <a:xfrm>
-            <a:off x="6995444" y="1825625"/>
-            <a:ext cx="1732920" cy="562244"/>
+            <a:off x="6995443" y="1477034"/>
+            <a:ext cx="2182423" cy="697181"/>
           </a:xfrm>
           <a:prstGeom prst="rect">
             <a:avLst/>
@@ -15812,7 +16145,7 @@
           <a:p>
             <a:pPr algn="ctr"/>
             <a:r>
-              <a:rPr lang="en-US" sz="2000" dirty="0">
+              <a:rPr lang="en-US" sz="2400" dirty="0">
                 <a:latin typeface="Abel" panose="02000506030000020004" pitchFamily="2" charset="0"/>
               </a:rPr>
               <a:t>Object</a:t>
@@ -15834,8 +16167,8 @@
         </p:nvSpPr>
         <p:spPr>
           <a:xfrm>
-            <a:off x="6995444" y="2739588"/>
-            <a:ext cx="1732920" cy="562244"/>
+            <a:off x="6995443" y="2526700"/>
+            <a:ext cx="2182423" cy="697181"/>
           </a:xfrm>
           <a:prstGeom prst="rect">
             <a:avLst/>
@@ -15872,7 +16205,7 @@
           <a:p>
             <a:pPr algn="ctr"/>
             <a:r>
-              <a:rPr lang="en-US" sz="2000" dirty="0">
+              <a:rPr lang="en-US" sz="2400" dirty="0">
                 <a:latin typeface="Abel" panose="02000506030000020004" pitchFamily="2" charset="0"/>
               </a:rPr>
               <a:t>Throwable</a:t>
@@ -15894,8 +16227,8 @@
         </p:nvSpPr>
         <p:spPr>
           <a:xfrm>
-            <a:off x="5464322" y="3959033"/>
-            <a:ext cx="1732920" cy="562244"/>
+            <a:off x="5464321" y="3824096"/>
+            <a:ext cx="2182423" cy="697181"/>
           </a:xfrm>
           <a:prstGeom prst="rect">
             <a:avLst/>
@@ -15932,7 +16265,7 @@
           <a:p>
             <a:pPr algn="ctr"/>
             <a:r>
-              <a:rPr lang="en-US" sz="2000" dirty="0">
+              <a:rPr lang="en-US" sz="2400" dirty="0">
                 <a:latin typeface="Abel" panose="02000506030000020004" pitchFamily="2" charset="0"/>
               </a:rPr>
               <a:t>Exceptions</a:t>
@@ -15954,8 +16287,8 @@
         </p:nvSpPr>
         <p:spPr>
           <a:xfrm>
-            <a:off x="8539384" y="3991354"/>
-            <a:ext cx="1732920" cy="562244"/>
+            <a:off x="8539383" y="3856417"/>
+            <a:ext cx="2182423" cy="697181"/>
           </a:xfrm>
           <a:prstGeom prst="rect">
             <a:avLst/>
@@ -15992,7 +16325,7 @@
           <a:p>
             <a:pPr algn="ctr"/>
             <a:r>
-              <a:rPr lang="en-US" sz="2000" dirty="0">
+              <a:rPr lang="en-US" sz="2400" dirty="0">
                 <a:latin typeface="Abel" panose="02000506030000020004" pitchFamily="2" charset="0"/>
               </a:rPr>
               <a:t>Errors</a:t>
@@ -16014,8 +16347,8 @@
         </p:nvSpPr>
         <p:spPr>
           <a:xfrm>
-            <a:off x="5464322" y="4903753"/>
-            <a:ext cx="1732920" cy="1226814"/>
+            <a:off x="5464320" y="4906083"/>
+            <a:ext cx="2182423" cy="1521246"/>
           </a:xfrm>
           <a:prstGeom prst="rect">
             <a:avLst/>
@@ -16052,7 +16385,7 @@
           <a:p>
             <a:pPr algn="ctr"/>
             <a:r>
-              <a:rPr lang="en-US" sz="2000" dirty="0">
+              <a:rPr lang="en-US" sz="2400" dirty="0">
                 <a:latin typeface="Abel" panose="02000506030000020004" pitchFamily="2" charset="0"/>
               </a:rPr>
               <a:t>Checked Exceptions:</a:t>
@@ -16061,7 +16394,7 @@
           <a:p>
             <a:pPr algn="ctr"/>
             <a:r>
-              <a:rPr lang="en-US" sz="2000" dirty="0">
+              <a:rPr lang="en-US" sz="2400" dirty="0">
                 <a:latin typeface="Abel" panose="02000506030000020004" pitchFamily="2" charset="0"/>
               </a:rPr>
               <a:t>IO Exceptions</a:t>
@@ -16083,8 +16416,8 @@
         </p:nvSpPr>
         <p:spPr>
           <a:xfrm>
-            <a:off x="8539384" y="4797937"/>
-            <a:ext cx="1732920" cy="1226814"/>
+            <a:off x="8539382" y="4906083"/>
+            <a:ext cx="2182423" cy="1521246"/>
           </a:xfrm>
           <a:prstGeom prst="rect">
             <a:avLst/>
@@ -16121,7 +16454,7 @@
           <a:p>
             <a:pPr algn="ctr"/>
             <a:r>
-              <a:rPr lang="en-US" sz="2000" dirty="0">
+              <a:rPr lang="en-US" sz="2400" dirty="0">
                 <a:latin typeface="Abel" panose="02000506030000020004" pitchFamily="2" charset="0"/>
               </a:rPr>
               <a:t>Unchecked Exceptions:</a:t>
@@ -16130,7 +16463,7 @@
           <a:p>
             <a:pPr algn="ctr"/>
             <a:r>
-              <a:rPr lang="en-US" sz="2000" dirty="0">
+              <a:rPr lang="en-US" sz="2400" dirty="0">
                 <a:latin typeface="Abel" panose="02000506030000020004" pitchFamily="2" charset="0"/>
               </a:rPr>
               <a:t>VM Errors</a:t>
@@ -16156,8 +16489,8 @@
         </p:nvCxnSpPr>
         <p:spPr>
           <a:xfrm flipH="1">
-            <a:off x="6330782" y="3301832"/>
-            <a:ext cx="1531122" cy="657201"/>
+            <a:off x="6555533" y="3223881"/>
+            <a:ext cx="1531122" cy="600215"/>
           </a:xfrm>
           <a:prstGeom prst="straightConnector1">
             <a:avLst/>
@@ -16202,8 +16535,8 @@
         </p:nvCxnSpPr>
         <p:spPr>
           <a:xfrm>
-            <a:off x="7861904" y="2387869"/>
-            <a:ext cx="0" cy="351719"/>
+            <a:off x="8086655" y="2174215"/>
+            <a:ext cx="0" cy="352485"/>
           </a:xfrm>
           <a:prstGeom prst="straightConnector1">
             <a:avLst/>
@@ -16248,8 +16581,8 @@
         </p:nvCxnSpPr>
         <p:spPr>
           <a:xfrm>
-            <a:off x="7861904" y="3301832"/>
-            <a:ext cx="1543940" cy="689522"/>
+            <a:off x="8086655" y="3223881"/>
+            <a:ext cx="1543940" cy="632536"/>
           </a:xfrm>
           <a:prstGeom prst="straightConnector1">
             <a:avLst/>
@@ -16293,9 +16626,9 @@
           <p:nvPr/>
         </p:nvCxnSpPr>
         <p:spPr>
-          <a:xfrm>
-            <a:off x="6330782" y="4521277"/>
-            <a:ext cx="0" cy="382476"/>
+          <a:xfrm flipH="1">
+            <a:off x="6555532" y="4521277"/>
+            <a:ext cx="1" cy="384806"/>
           </a:xfrm>
           <a:prstGeom prst="straightConnector1">
             <a:avLst/>
@@ -16339,9 +16672,9 @@
           <p:nvPr/>
         </p:nvCxnSpPr>
         <p:spPr>
-          <a:xfrm>
-            <a:off x="9405844" y="4553598"/>
-            <a:ext cx="0" cy="244339"/>
+          <a:xfrm flipH="1">
+            <a:off x="9630594" y="4553598"/>
+            <a:ext cx="1" cy="352485"/>
           </a:xfrm>
           <a:prstGeom prst="straightConnector1">
             <a:avLst/>
